--- a/Automating Genomic Variant Analysis python version.pptx
+++ b/Automating Genomic Variant Analysis python version.pptx
@@ -115,6 +115,11 @@
       </a:defRPr>
     </a:lvl9pPr>
   </p:defaultTextStyle>
+  <p:extLst>
+    <p:ext uri="{EFAFB233-063F-42B5-8137-9DF3F51BA10A}">
+      <p15:sldGuideLst xmlns:p15="http://schemas.microsoft.com/office/powerpoint/2012/main"/>
+    </p:ext>
+  </p:extLst>
 </p:presentation>
 </file>
 
@@ -3738,6 +3743,63 @@
             </a:endParaRPr>
           </a:p>
           <a:p>
+            <a:pPr marL="0" lvl="0" indent="0" eaLnBrk="0" fontAlgn="base" hangingPunct="0">
+              <a:lnSpc>
+                <a:spcPct val="100000"/>
+              </a:lnSpc>
+              <a:spcBef>
+                <a:spcPct val="0"/>
+              </a:spcBef>
+              <a:spcAft>
+                <a:spcPct val="0"/>
+              </a:spcAft>
+              <a:buFontTx/>
+              <a:buChar char="•"/>
+            </a:pPr>
+            <a:r>
+              <a:rPr kumimoji="0" lang="en-US" altLang="en-US" b="1" i="0" u="none" strike="noStrike" cap="none" normalizeH="0" baseline="0" dirty="0" smtClean="0">
+                <a:ln>
+                  <a:noFill/>
+                </a:ln>
+                <a:solidFill>
+                  <a:schemeClr val="tx1"/>
+                </a:solidFill>
+                <a:effectLst/>
+                <a:latin typeface="D-DINExp"/>
+              </a:rPr>
+              <a:t>Your Code Repository:</a:t>
+            </a:r>
+            <a:r>
+              <a:rPr kumimoji="0" lang="en-US" altLang="en-US" b="0" i="0" u="none" strike="noStrike" cap="none" normalizeH="0" baseline="0" dirty="0" smtClean="0">
+                <a:ln>
+                  <a:noFill/>
+                </a:ln>
+                <a:solidFill>
+                  <a:schemeClr val="tx1"/>
+                </a:solidFill>
+                <a:effectLst/>
+                <a:latin typeface="D-DINExp"/>
+              </a:rPr>
+              <a:t> </a:t>
+            </a:r>
+            <a:r>
+              <a:rPr lang="en-US" altLang="en-US" sz="2000" dirty="0">
+                <a:latin typeface="D-DINExp"/>
+              </a:rPr>
+              <a:t>https://github.com/Zainab-Obitayo/bash_to_python.git</a:t>
+            </a:r>
+            <a:endParaRPr kumimoji="0" lang="en-US" altLang="en-US" sz="2000" b="0" i="0" u="none" strike="noStrike" cap="none" normalizeH="0" baseline="0" dirty="0" smtClean="0">
+              <a:ln>
+                <a:noFill/>
+              </a:ln>
+              <a:solidFill>
+                <a:schemeClr val="tx1"/>
+              </a:solidFill>
+              <a:effectLst/>
+              <a:latin typeface="D-DINExp"/>
+            </a:endParaRPr>
+          </a:p>
+          <a:p>
             <a:pPr marL="0" marR="0" lvl="0" indent="0" algn="l" defTabSz="914400" rtl="0" eaLnBrk="0" fontAlgn="base" latinLnBrk="0" hangingPunct="0">
               <a:lnSpc>
                 <a:spcPct val="100000"/>
@@ -3765,39 +3827,8 @@
                 <a:effectLst/>
                 <a:latin typeface="D-DINExp"/>
               </a:rPr>
-              <a:t>Your Code Repository:</a:t>
-            </a:r>
-            <a:r>
-              <a:rPr kumimoji="0" lang="en-US" altLang="en-US" b="0" i="0" u="none" strike="noStrike" cap="none" normalizeH="0" baseline="0" dirty="0" smtClean="0">
-                <a:ln>
-                  <a:noFill/>
-                </a:ln>
-                <a:solidFill>
-                  <a:schemeClr val="tx1"/>
-                </a:solidFill>
-                <a:effectLst/>
-                <a:latin typeface="D-DINExp"/>
-              </a:rPr>
-              <a:t> [Link]</a:t>
-            </a:r>
-          </a:p>
-          <a:p>
-            <a:pPr marL="0" marR="0" lvl="0" indent="0" algn="l" defTabSz="914400" rtl="0" eaLnBrk="0" fontAlgn="base" latinLnBrk="0" hangingPunct="0">
-              <a:lnSpc>
-                <a:spcPct val="100000"/>
-              </a:lnSpc>
-              <a:spcBef>
-                <a:spcPct val="0"/>
-              </a:spcBef>
-              <a:spcAft>
-                <a:spcPct val="0"/>
-              </a:spcAft>
-              <a:buClrTx/>
-              <a:buSzTx/>
-              <a:buFontTx/>
-              <a:buChar char="•"/>
-              <a:tabLst/>
-            </a:pPr>
+              <a:t>Galaxy </a:t>
+            </a:r>
             <a:r>
               <a:rPr kumimoji="0" lang="en-US" altLang="en-US" b="1" i="0" u="none" strike="noStrike" cap="none" normalizeH="0" baseline="0" dirty="0" smtClean="0">
                 <a:ln>
@@ -3809,7 +3840,7 @@
                 <a:effectLst/>
                 <a:latin typeface="D-DINExp"/>
               </a:rPr>
-              <a:t>Galaxy Tutorial:</a:t>
+              <a:t>Tutorial:</a:t>
             </a:r>
             <a:r>
               <a:rPr kumimoji="0" lang="en-US" altLang="en-US" b="0" i="0" u="none" strike="noStrike" cap="none" normalizeH="0" baseline="0" dirty="0" smtClean="0">
